--- a/PPT/DeepLearning17-Jupyter.pptx
+++ b/PPT/DeepLearning17-Jupyter.pptx
@@ -5,18 +5,19 @@
     <p:sldMasterId id="2147483653" r:id="rId1"/>
   </p:sldMasterIdLst>
   <p:notesMasterIdLst>
-    <p:notesMasterId r:id="rId8"/>
+    <p:notesMasterId r:id="rId9"/>
   </p:notesMasterIdLst>
   <p:handoutMasterIdLst>
-    <p:handoutMasterId r:id="rId9"/>
+    <p:handoutMasterId r:id="rId10"/>
   </p:handoutMasterIdLst>
   <p:sldIdLst>
     <p:sldId id="264" r:id="rId2"/>
     <p:sldId id="361" r:id="rId3"/>
     <p:sldId id="365" r:id="rId4"/>
     <p:sldId id="360" r:id="rId5"/>
-    <p:sldId id="362" r:id="rId6"/>
-    <p:sldId id="364" r:id="rId7"/>
+    <p:sldId id="366" r:id="rId6"/>
+    <p:sldId id="362" r:id="rId7"/>
+    <p:sldId id="364" r:id="rId8"/>
   </p:sldIdLst>
   <p:sldSz cx="9144000" cy="6858000" type="screen4x3"/>
   <p:notesSz cx="6648450" cy="9782175"/>
@@ -609,35 +610,35 @@
           <a:p>
             <a:pPr lvl="0"/>
             <a:r>
-              <a:rPr lang="fr-FR" noProof="0" smtClean="0"/>
+              <a:rPr lang="fr-FR" noProof="0"/>
               <a:t>Cliquez pour modifier les styles du texte du masque</a:t>
             </a:r>
           </a:p>
           <a:p>
             <a:pPr lvl="1"/>
             <a:r>
-              <a:rPr lang="fr-FR" noProof="0" smtClean="0"/>
+              <a:rPr lang="fr-FR" noProof="0"/>
               <a:t>Deuxième niveau</a:t>
             </a:r>
           </a:p>
           <a:p>
             <a:pPr lvl="2"/>
             <a:r>
-              <a:rPr lang="fr-FR" noProof="0" smtClean="0"/>
+              <a:rPr lang="fr-FR" noProof="0"/>
               <a:t>Troisième niveau</a:t>
             </a:r>
           </a:p>
           <a:p>
             <a:pPr lvl="3"/>
             <a:r>
-              <a:rPr lang="fr-FR" noProof="0" smtClean="0"/>
+              <a:rPr lang="fr-FR" noProof="0"/>
               <a:t>Quatrième niveau</a:t>
             </a:r>
           </a:p>
           <a:p>
             <a:pPr lvl="4"/>
             <a:r>
-              <a:rPr lang="fr-FR" noProof="0" smtClean="0"/>
+              <a:rPr lang="fr-FR" noProof="0"/>
               <a:t>Cinquième niveau</a:t>
             </a:r>
           </a:p>
@@ -925,10 +926,9 @@
           <a:lstStyle/>
           <a:p>
             <a:r>
-              <a:rPr lang="fr-FR" smtClean="0"/>
+              <a:rPr lang="fr-FR"/>
               <a:t>Cliquez pour modifier le style du titre</a:t>
             </a:r>
-            <a:endParaRPr lang="fr-FR"/>
           </a:p>
         </p:txBody>
       </p:sp>
@@ -990,10 +990,9 @@
           </a:lstStyle>
           <a:p>
             <a:r>
-              <a:rPr lang="fr-FR" smtClean="0"/>
+              <a:rPr lang="fr-FR"/>
               <a:t>Cliquez pour modifier le style des sous-titres du masque</a:t>
             </a:r>
-            <a:endParaRPr lang="fr-FR"/>
           </a:p>
         </p:txBody>
       </p:sp>
@@ -1048,10 +1047,9 @@
           <a:lstStyle/>
           <a:p>
             <a:r>
-              <a:rPr lang="fr-FR" smtClean="0"/>
+              <a:rPr lang="fr-FR"/>
               <a:t>Cliquez pour modifier le style du titre</a:t>
             </a:r>
-            <a:endParaRPr lang="fr-FR"/>
           </a:p>
         </p:txBody>
       </p:sp>
@@ -1077,38 +1075,37 @@
           <a:p>
             <a:pPr lvl="0"/>
             <a:r>
-              <a:rPr lang="fr-FR" smtClean="0"/>
+              <a:rPr lang="fr-FR"/>
               <a:t>Cliquez pour modifier les styles du texte du masque</a:t>
             </a:r>
           </a:p>
           <a:p>
             <a:pPr lvl="1"/>
             <a:r>
-              <a:rPr lang="fr-FR" smtClean="0"/>
+              <a:rPr lang="fr-FR"/>
               <a:t>Deuxième niveau</a:t>
             </a:r>
           </a:p>
           <a:p>
             <a:pPr lvl="2"/>
             <a:r>
-              <a:rPr lang="fr-FR" smtClean="0"/>
+              <a:rPr lang="fr-FR"/>
               <a:t>Troisième niveau</a:t>
             </a:r>
           </a:p>
           <a:p>
             <a:pPr lvl="3"/>
             <a:r>
-              <a:rPr lang="fr-FR" smtClean="0"/>
+              <a:rPr lang="fr-FR"/>
               <a:t>Quatrième niveau</a:t>
             </a:r>
           </a:p>
           <a:p>
             <a:pPr lvl="4"/>
             <a:r>
-              <a:rPr lang="fr-FR" smtClean="0"/>
+              <a:rPr lang="fr-FR"/>
               <a:t>Cinquième niveau</a:t>
             </a:r>
-            <a:endParaRPr lang="fr-FR"/>
           </a:p>
         </p:txBody>
       </p:sp>
@@ -1167,10 +1164,9 @@
           </a:lstStyle>
           <a:p>
             <a:r>
-              <a:rPr lang="fr-FR" dirty="0" smtClean="0"/>
+              <a:rPr lang="fr-FR" dirty="0"/>
               <a:t>Cliquez pour modifier le style du titre</a:t>
             </a:r>
-            <a:endParaRPr lang="fr-FR" dirty="0"/>
           </a:p>
         </p:txBody>
       </p:sp>
@@ -1196,38 +1192,37 @@
           <a:p>
             <a:pPr lvl="0"/>
             <a:r>
-              <a:rPr lang="fr-FR" dirty="0" smtClean="0"/>
+              <a:rPr lang="fr-FR" dirty="0"/>
               <a:t>Cliquez pour modifier les styles du texte du masque</a:t>
             </a:r>
           </a:p>
           <a:p>
             <a:pPr lvl="1"/>
             <a:r>
-              <a:rPr lang="fr-FR" dirty="0" smtClean="0"/>
+              <a:rPr lang="fr-FR" dirty="0"/>
               <a:t>Deuxième niveau</a:t>
             </a:r>
           </a:p>
           <a:p>
             <a:pPr lvl="2"/>
             <a:r>
-              <a:rPr lang="fr-FR" dirty="0" smtClean="0"/>
+              <a:rPr lang="fr-FR" dirty="0"/>
               <a:t>Troisième niveau</a:t>
             </a:r>
           </a:p>
           <a:p>
             <a:pPr lvl="3"/>
             <a:r>
-              <a:rPr lang="fr-FR" dirty="0" smtClean="0"/>
+              <a:rPr lang="fr-FR" dirty="0"/>
               <a:t>Quatrième niveau</a:t>
             </a:r>
           </a:p>
           <a:p>
             <a:pPr lvl="4"/>
             <a:r>
-              <a:rPr lang="fr-FR" dirty="0" smtClean="0"/>
+              <a:rPr lang="fr-FR" dirty="0"/>
               <a:t>Cinquième niveau</a:t>
             </a:r>
-            <a:endParaRPr lang="fr-FR" dirty="0"/>
           </a:p>
         </p:txBody>
       </p:sp>
@@ -1277,10 +1272,9 @@
           <a:lstStyle/>
           <a:p>
             <a:r>
-              <a:rPr lang="fr-FR" smtClean="0"/>
+              <a:rPr lang="fr-FR"/>
               <a:t>Cliquez pour modifier le style du titre</a:t>
             </a:r>
-            <a:endParaRPr lang="fr-FR"/>
           </a:p>
         </p:txBody>
       </p:sp>
@@ -1334,38 +1328,37 @@
           <a:p>
             <a:pPr lvl="0"/>
             <a:r>
-              <a:rPr lang="fr-FR" smtClean="0"/>
+              <a:rPr lang="fr-FR"/>
               <a:t>Cliquez pour modifier les styles du texte du masque</a:t>
             </a:r>
           </a:p>
           <a:p>
             <a:pPr lvl="1"/>
             <a:r>
-              <a:rPr lang="fr-FR" smtClean="0"/>
+              <a:rPr lang="fr-FR"/>
               <a:t>Deuxième niveau</a:t>
             </a:r>
           </a:p>
           <a:p>
             <a:pPr lvl="2"/>
             <a:r>
-              <a:rPr lang="fr-FR" smtClean="0"/>
+              <a:rPr lang="fr-FR"/>
               <a:t>Troisième niveau</a:t>
             </a:r>
           </a:p>
           <a:p>
             <a:pPr lvl="3"/>
             <a:r>
-              <a:rPr lang="fr-FR" smtClean="0"/>
+              <a:rPr lang="fr-FR"/>
               <a:t>Quatrième niveau</a:t>
             </a:r>
           </a:p>
           <a:p>
             <a:pPr lvl="4"/>
             <a:r>
-              <a:rPr lang="fr-FR" smtClean="0"/>
+              <a:rPr lang="fr-FR"/>
               <a:t>Cinquième niveau</a:t>
             </a:r>
-            <a:endParaRPr lang="fr-FR"/>
           </a:p>
         </p:txBody>
       </p:sp>
@@ -1419,38 +1412,37 @@
           <a:p>
             <a:pPr lvl="0"/>
             <a:r>
-              <a:rPr lang="fr-FR" smtClean="0"/>
+              <a:rPr lang="fr-FR"/>
               <a:t>Cliquez pour modifier les styles du texte du masque</a:t>
             </a:r>
           </a:p>
           <a:p>
             <a:pPr lvl="1"/>
             <a:r>
-              <a:rPr lang="fr-FR" smtClean="0"/>
+              <a:rPr lang="fr-FR"/>
               <a:t>Deuxième niveau</a:t>
             </a:r>
           </a:p>
           <a:p>
             <a:pPr lvl="2"/>
             <a:r>
-              <a:rPr lang="fr-FR" smtClean="0"/>
+              <a:rPr lang="fr-FR"/>
               <a:t>Troisième niveau</a:t>
             </a:r>
           </a:p>
           <a:p>
             <a:pPr lvl="3"/>
             <a:r>
-              <a:rPr lang="fr-FR" smtClean="0"/>
+              <a:rPr lang="fr-FR"/>
               <a:t>Quatrième niveau</a:t>
             </a:r>
           </a:p>
           <a:p>
             <a:pPr lvl="4"/>
             <a:r>
-              <a:rPr lang="fr-FR" smtClean="0"/>
+              <a:rPr lang="fr-FR"/>
               <a:t>Cinquième niveau</a:t>
             </a:r>
-            <a:endParaRPr lang="fr-FR"/>
           </a:p>
         </p:txBody>
       </p:sp>
@@ -1509,10 +1501,9 @@
           </a:lstStyle>
           <a:p>
             <a:r>
-              <a:rPr lang="fr-FR" smtClean="0"/>
+              <a:rPr lang="fr-FR"/>
               <a:t>Cliquez pour modifier le style du titre</a:t>
             </a:r>
-            <a:endParaRPr lang="fr-FR"/>
           </a:p>
         </p:txBody>
       </p:sp>
@@ -1575,7 +1566,7 @@
           <a:p>
             <a:pPr lvl="0"/>
             <a:r>
-              <a:rPr lang="fr-FR" smtClean="0"/>
+              <a:rPr lang="fr-FR"/>
               <a:t>Cliquez pour modifier les styles du texte du masque</a:t>
             </a:r>
           </a:p>
@@ -1631,38 +1622,37 @@
           <a:p>
             <a:pPr lvl="0"/>
             <a:r>
-              <a:rPr lang="fr-FR" smtClean="0"/>
+              <a:rPr lang="fr-FR"/>
               <a:t>Cliquez pour modifier les styles du texte du masque</a:t>
             </a:r>
           </a:p>
           <a:p>
             <a:pPr lvl="1"/>
             <a:r>
-              <a:rPr lang="fr-FR" smtClean="0"/>
+              <a:rPr lang="fr-FR"/>
               <a:t>Deuxième niveau</a:t>
             </a:r>
           </a:p>
           <a:p>
             <a:pPr lvl="2"/>
             <a:r>
-              <a:rPr lang="fr-FR" smtClean="0"/>
+              <a:rPr lang="fr-FR"/>
               <a:t>Troisième niveau</a:t>
             </a:r>
           </a:p>
           <a:p>
             <a:pPr lvl="3"/>
             <a:r>
-              <a:rPr lang="fr-FR" smtClean="0"/>
+              <a:rPr lang="fr-FR"/>
               <a:t>Quatrième niveau</a:t>
             </a:r>
           </a:p>
           <a:p>
             <a:pPr lvl="4"/>
             <a:r>
-              <a:rPr lang="fr-FR" smtClean="0"/>
+              <a:rPr lang="fr-FR"/>
               <a:t>Cinquième niveau</a:t>
             </a:r>
-            <a:endParaRPr lang="fr-FR"/>
           </a:p>
         </p:txBody>
       </p:sp>
@@ -1725,7 +1715,7 @@
           <a:p>
             <a:pPr lvl="0"/>
             <a:r>
-              <a:rPr lang="fr-FR" smtClean="0"/>
+              <a:rPr lang="fr-FR"/>
               <a:t>Cliquez pour modifier les styles du texte du masque</a:t>
             </a:r>
           </a:p>
@@ -1781,38 +1771,37 @@
           <a:p>
             <a:pPr lvl="0"/>
             <a:r>
-              <a:rPr lang="fr-FR" smtClean="0"/>
+              <a:rPr lang="fr-FR"/>
               <a:t>Cliquez pour modifier les styles du texte du masque</a:t>
             </a:r>
           </a:p>
           <a:p>
             <a:pPr lvl="1"/>
             <a:r>
-              <a:rPr lang="fr-FR" smtClean="0"/>
+              <a:rPr lang="fr-FR"/>
               <a:t>Deuxième niveau</a:t>
             </a:r>
           </a:p>
           <a:p>
             <a:pPr lvl="2"/>
             <a:r>
-              <a:rPr lang="fr-FR" smtClean="0"/>
+              <a:rPr lang="fr-FR"/>
               <a:t>Troisième niveau</a:t>
             </a:r>
           </a:p>
           <a:p>
             <a:pPr lvl="3"/>
             <a:r>
-              <a:rPr lang="fr-FR" smtClean="0"/>
+              <a:rPr lang="fr-FR"/>
               <a:t>Quatrième niveau</a:t>
             </a:r>
           </a:p>
           <a:p>
             <a:pPr lvl="4"/>
             <a:r>
-              <a:rPr lang="fr-FR" smtClean="0"/>
+              <a:rPr lang="fr-FR"/>
               <a:t>Cinquième niveau</a:t>
             </a:r>
-            <a:endParaRPr lang="fr-FR"/>
           </a:p>
         </p:txBody>
       </p:sp>
@@ -1862,10 +1851,9 @@
           <a:lstStyle/>
           <a:p>
             <a:r>
-              <a:rPr lang="fr-FR" smtClean="0"/>
+              <a:rPr lang="fr-FR"/>
               <a:t>Cliquez pour modifier le style du titre</a:t>
             </a:r>
-            <a:endParaRPr lang="fr-FR"/>
           </a:p>
         </p:txBody>
       </p:sp>
@@ -1954,10 +1942,9 @@
           </a:lstStyle>
           <a:p>
             <a:r>
-              <a:rPr lang="fr-FR" smtClean="0"/>
+              <a:rPr lang="fr-FR"/>
               <a:t>Cliquez pour modifier le style du titre</a:t>
             </a:r>
-            <a:endParaRPr lang="fr-FR"/>
           </a:p>
         </p:txBody>
       </p:sp>
@@ -2011,38 +1998,37 @@
           <a:p>
             <a:pPr lvl="0"/>
             <a:r>
-              <a:rPr lang="fr-FR" smtClean="0"/>
+              <a:rPr lang="fr-FR"/>
               <a:t>Cliquez pour modifier les styles du texte du masque</a:t>
             </a:r>
           </a:p>
           <a:p>
             <a:pPr lvl="1"/>
             <a:r>
-              <a:rPr lang="fr-FR" smtClean="0"/>
+              <a:rPr lang="fr-FR"/>
               <a:t>Deuxième niveau</a:t>
             </a:r>
           </a:p>
           <a:p>
             <a:pPr lvl="2"/>
             <a:r>
-              <a:rPr lang="fr-FR" smtClean="0"/>
+              <a:rPr lang="fr-FR"/>
               <a:t>Troisième niveau</a:t>
             </a:r>
           </a:p>
           <a:p>
             <a:pPr lvl="3"/>
             <a:r>
-              <a:rPr lang="fr-FR" smtClean="0"/>
+              <a:rPr lang="fr-FR"/>
               <a:t>Quatrième niveau</a:t>
             </a:r>
           </a:p>
           <a:p>
             <a:pPr lvl="4"/>
             <a:r>
-              <a:rPr lang="fr-FR" smtClean="0"/>
+              <a:rPr lang="fr-FR"/>
               <a:t>Cinquième niveau</a:t>
             </a:r>
-            <a:endParaRPr lang="fr-FR"/>
           </a:p>
         </p:txBody>
       </p:sp>
@@ -2105,7 +2091,7 @@
           <a:p>
             <a:pPr lvl="0"/>
             <a:r>
-              <a:rPr lang="fr-FR" smtClean="0"/>
+              <a:rPr lang="fr-FR"/>
               <a:t>Cliquez pour modifier les styles du texte du masque</a:t>
             </a:r>
           </a:p>
@@ -2166,10 +2152,9 @@
           </a:lstStyle>
           <a:p>
             <a:r>
-              <a:rPr lang="fr-FR" smtClean="0"/>
+              <a:rPr lang="fr-FR"/>
               <a:t>Cliquez pour modifier le style du titre</a:t>
             </a:r>
-            <a:endParaRPr lang="fr-FR"/>
           </a:p>
         </p:txBody>
       </p:sp>
@@ -2231,7 +2216,7 @@
           </a:lstStyle>
           <a:p>
             <a:pPr lvl="0"/>
-            <a:endParaRPr lang="fr-FR" noProof="0" smtClean="0"/>
+            <a:endParaRPr lang="fr-FR" noProof="0"/>
           </a:p>
         </p:txBody>
       </p:sp>
@@ -2294,7 +2279,7 @@
           <a:p>
             <a:pPr lvl="0"/>
             <a:r>
-              <a:rPr lang="fr-FR" smtClean="0"/>
+              <a:rPr lang="fr-FR"/>
               <a:t>Cliquez pour modifier les styles du texte du masque</a:t>
             </a:r>
           </a:p>
@@ -2346,10 +2331,9 @@
           <a:lstStyle/>
           <a:p>
             <a:r>
-              <a:rPr lang="fr-FR" smtClean="0"/>
+              <a:rPr lang="fr-FR"/>
               <a:t>Cliquez pour modifier le style du titre</a:t>
             </a:r>
-            <a:endParaRPr lang="fr-FR"/>
           </a:p>
         </p:txBody>
       </p:sp>
@@ -2370,38 +2354,37 @@
           <a:p>
             <a:pPr lvl="0"/>
             <a:r>
-              <a:rPr lang="fr-FR" smtClean="0"/>
+              <a:rPr lang="fr-FR"/>
               <a:t>Cliquez pour modifier les styles du texte du masque</a:t>
             </a:r>
           </a:p>
           <a:p>
             <a:pPr lvl="1"/>
             <a:r>
-              <a:rPr lang="fr-FR" smtClean="0"/>
+              <a:rPr lang="fr-FR"/>
               <a:t>Deuxième niveau</a:t>
             </a:r>
           </a:p>
           <a:p>
             <a:pPr lvl="2"/>
             <a:r>
-              <a:rPr lang="fr-FR" smtClean="0"/>
+              <a:rPr lang="fr-FR"/>
               <a:t>Troisième niveau</a:t>
             </a:r>
           </a:p>
           <a:p>
             <a:pPr lvl="3"/>
             <a:r>
-              <a:rPr lang="fr-FR" smtClean="0"/>
+              <a:rPr lang="fr-FR"/>
               <a:t>Quatrième niveau</a:t>
             </a:r>
           </a:p>
           <a:p>
             <a:pPr lvl="4"/>
             <a:r>
-              <a:rPr lang="fr-FR" smtClean="0"/>
+              <a:rPr lang="fr-FR"/>
               <a:t>Cinquième niveau</a:t>
             </a:r>
-            <a:endParaRPr lang="fr-FR"/>
           </a:p>
         </p:txBody>
       </p:sp>
@@ -2582,7 +2565,7 @@
             <a:pPr eaLnBrk="1" hangingPunct="1">
               <a:defRPr/>
             </a:pPr>
-            <a:endParaRPr lang="fr-FR" altLang="fr-FR" smtClean="0"/>
+            <a:endParaRPr lang="fr-FR" altLang="fr-FR"/>
           </a:p>
         </p:txBody>
       </p:sp>
@@ -2736,7 +2719,7 @@
               <a:defRPr/>
             </a:pPr>
             <a:r>
-              <a:rPr lang="fr-FR" sz="1200" dirty="0" smtClean="0"/>
+              <a:rPr lang="fr-FR" sz="1200" dirty="0"/>
               <a:t>Page </a:t>
             </a:r>
             <a:fld id="{E218E9B1-FD08-4C80-902E-210BA2967D0D}" type="slidenum">
@@ -2749,7 +2732,7 @@
               </a:pPr>
               <a:t>‹N°›</a:t>
             </a:fld>
-            <a:endParaRPr lang="fr-FR" dirty="0" smtClean="0">
+            <a:endParaRPr lang="fr-FR" dirty="0">
               <a:latin typeface="Times New Roman" pitchFamily="18" charset="0"/>
             </a:endParaRPr>
           </a:p>
@@ -2905,10 +2888,10 @@
               <a:defRPr/>
             </a:pPr>
             <a:r>
-              <a:rPr lang="fr-FR" sz="1600" dirty="0" smtClean="0"/>
+              <a:rPr lang="fr-FR" sz="1600" dirty="0"/>
               <a:t>Python</a:t>
             </a:r>
-            <a:endParaRPr lang="fr-FR" dirty="0" smtClean="0">
+            <a:endParaRPr lang="fr-FR" dirty="0">
               <a:latin typeface="Times New Roman" pitchFamily="18" charset="0"/>
             </a:endParaRPr>
           </a:p>
@@ -2966,7 +2949,7 @@
           <a:p>
             <a:pPr lvl="0"/>
             <a:r>
-              <a:rPr lang="fr-FR" altLang="fr-FR" smtClean="0"/>
+              <a:rPr lang="fr-FR" altLang="fr-FR"/>
               <a:t>Cliquez pour modifier le style du titre du masque</a:t>
             </a:r>
           </a:p>
@@ -3024,35 +3007,35 @@
           <a:p>
             <a:pPr lvl="0"/>
             <a:r>
-              <a:rPr lang="fr-FR" altLang="fr-FR" smtClean="0"/>
+              <a:rPr lang="fr-FR" altLang="fr-FR"/>
               <a:t>Cliquez pour modifier les styles du texte du masque</a:t>
             </a:r>
           </a:p>
           <a:p>
             <a:pPr lvl="1"/>
             <a:r>
-              <a:rPr lang="fr-FR" altLang="fr-FR" smtClean="0"/>
+              <a:rPr lang="fr-FR" altLang="fr-FR"/>
               <a:t>Deuxième niveau</a:t>
             </a:r>
           </a:p>
           <a:p>
             <a:pPr lvl="2"/>
             <a:r>
-              <a:rPr lang="fr-FR" altLang="fr-FR" smtClean="0"/>
+              <a:rPr lang="fr-FR" altLang="fr-FR"/>
               <a:t>Troisième niveau</a:t>
             </a:r>
           </a:p>
           <a:p>
             <a:pPr lvl="3"/>
             <a:r>
-              <a:rPr lang="fr-FR" altLang="fr-FR" smtClean="0"/>
+              <a:rPr lang="fr-FR" altLang="fr-FR"/>
               <a:t>Quatrième niveau</a:t>
             </a:r>
           </a:p>
           <a:p>
             <a:pPr lvl="4"/>
             <a:r>
-              <a:rPr lang="fr-FR" altLang="fr-FR" smtClean="0"/>
+              <a:rPr lang="fr-FR" altLang="fr-FR"/>
               <a:t>Cinquième niveau</a:t>
             </a:r>
           </a:p>
@@ -3208,10 +3191,10 @@
               <a:defRPr/>
             </a:pPr>
             <a:r>
-              <a:rPr lang="fr-FR" sz="1200" smtClean="0"/>
+              <a:rPr lang="fr-FR" sz="1200"/>
               <a:t>© Cyril Vincent Conseil</a:t>
             </a:r>
-            <a:endParaRPr lang="fr-FR" smtClean="0">
+            <a:endParaRPr lang="fr-FR">
               <a:latin typeface="Times New Roman" pitchFamily="18" charset="0"/>
             </a:endParaRPr>
           </a:p>
@@ -3693,17 +3676,17 @@
           <a:p>
             <a:pPr eaLnBrk="1" hangingPunct="1"/>
             <a:r>
-              <a:rPr lang="fr-FR" altLang="fr-FR" dirty="0" smtClean="0"/>
+              <a:rPr lang="fr-FR" altLang="fr-FR" dirty="0"/>
               <a:t>Chapitre 17</a:t>
             </a:r>
           </a:p>
           <a:p>
             <a:pPr eaLnBrk="1" hangingPunct="1"/>
             <a:r>
-              <a:rPr lang="fr-FR" altLang="fr-FR" dirty="0" err="1" smtClean="0"/>
+              <a:rPr lang="fr-FR" altLang="fr-FR" dirty="0" err="1"/>
               <a:t>Jupyter</a:t>
             </a:r>
-            <a:endParaRPr lang="fr-FR" altLang="fr-FR" dirty="0" smtClean="0"/>
+            <a:endParaRPr lang="fr-FR" altLang="fr-FR" dirty="0"/>
           </a:p>
         </p:txBody>
       </p:sp>
@@ -3754,14 +3737,13 @@
           <a:lstStyle/>
           <a:p>
             <a:r>
-              <a:rPr lang="fr-FR" sz="3600" dirty="0" err="1" smtClean="0"/>
+              <a:rPr lang="fr-FR" sz="3600" dirty="0" err="1"/>
               <a:t>Deep</a:t>
             </a:r>
             <a:r>
-              <a:rPr lang="fr-FR" sz="3600" dirty="0" smtClean="0"/>
+              <a:rPr lang="fr-FR" sz="3600" dirty="0"/>
               <a:t> Learning</a:t>
             </a:r>
-            <a:endParaRPr lang="fr-FR" sz="3600" dirty="0"/>
           </a:p>
         </p:txBody>
       </p:sp>
@@ -3811,13 +3793,6 @@
   <p:clrMapOvr>
     <a:masterClrMapping/>
   </p:clrMapOvr>
-  <p:timing>
-    <p:tnLst>
-      <p:par>
-        <p:cTn id="1" dur="indefinite" restart="never" nodeType="tmRoot"/>
-      </p:par>
-    </p:tnLst>
-  </p:timing>
 </p:sld>
 </file>
 
@@ -3854,7 +3829,7 @@
           <a:lstStyle/>
           <a:p>
             <a:r>
-              <a:rPr lang="fr-FR" dirty="0" err="1" smtClean="0"/>
+              <a:rPr lang="fr-FR" dirty="0" err="1"/>
               <a:t>Jupyter</a:t>
             </a:r>
             <a:endParaRPr lang="fr-FR" dirty="0"/>
@@ -3967,10 +3942,9 @@
           <a:lstStyle/>
           <a:p>
             <a:r>
-              <a:rPr lang="fr-FR" dirty="0" smtClean="0"/>
+              <a:rPr lang="fr-FR" dirty="0"/>
               <a:t>Exécution locale</a:t>
             </a:r>
-            <a:endParaRPr lang="fr-FR" dirty="0"/>
           </a:p>
         </p:txBody>
       </p:sp>
@@ -3990,60 +3964,60 @@
           <a:lstStyle/>
           <a:p>
             <a:r>
-              <a:rPr lang="fr-FR" dirty="0" err="1" smtClean="0"/>
+              <a:rPr lang="fr-FR" dirty="0" err="1"/>
               <a:t>pip</a:t>
             </a:r>
             <a:r>
-              <a:rPr lang="fr-FR" dirty="0" smtClean="0"/>
+              <a:rPr lang="fr-FR" dirty="0"/>
               <a:t> </a:t>
             </a:r>
             <a:r>
-              <a:rPr lang="fr-FR" dirty="0" err="1" smtClean="0"/>
+              <a:rPr lang="fr-FR" dirty="0" err="1"/>
               <a:t>install</a:t>
             </a:r>
             <a:r>
-              <a:rPr lang="fr-FR" dirty="0" smtClean="0"/>
+              <a:rPr lang="fr-FR" dirty="0"/>
               <a:t> </a:t>
             </a:r>
             <a:r>
-              <a:rPr lang="fr-FR" dirty="0" err="1" smtClean="0"/>
+              <a:rPr lang="fr-FR" dirty="0" err="1"/>
               <a:t>jupyter</a:t>
             </a:r>
-            <a:endParaRPr lang="fr-FR" dirty="0" smtClean="0"/>
-          </a:p>
-          <a:p>
-            <a:r>
-              <a:rPr lang="fr-FR" dirty="0" err="1" smtClean="0"/>
+            <a:endParaRPr lang="fr-FR" dirty="0"/>
+          </a:p>
+          <a:p>
+            <a:r>
+              <a:rPr lang="fr-FR" dirty="0" err="1"/>
               <a:t>jupyter</a:t>
             </a:r>
             <a:r>
-              <a:rPr lang="fr-FR" dirty="0" smtClean="0"/>
+              <a:rPr lang="fr-FR" dirty="0"/>
               <a:t> notebook </a:t>
             </a:r>
             <a:r>
-              <a:rPr lang="fr-FR" dirty="0" err="1" smtClean="0"/>
+              <a:rPr lang="fr-FR" dirty="0" err="1"/>
               <a:t>file.ipynb</a:t>
             </a:r>
-            <a:endParaRPr lang="fr-FR" dirty="0" smtClean="0"/>
-          </a:p>
-          <a:p>
-            <a:r>
-              <a:rPr lang="fr-FR" dirty="0" err="1" smtClean="0"/>
+            <a:endParaRPr lang="fr-FR" dirty="0"/>
+          </a:p>
+          <a:p>
+            <a:r>
+              <a:rPr lang="fr-FR" dirty="0" err="1"/>
               <a:t>jupyter</a:t>
             </a:r>
             <a:r>
-              <a:rPr lang="fr-FR" dirty="0" smtClean="0"/>
+              <a:rPr lang="fr-FR" dirty="0"/>
               <a:t> notebook</a:t>
             </a:r>
           </a:p>
           <a:p>
             <a:pPr lvl="1"/>
             <a:r>
-              <a:rPr lang="fr-FR" dirty="0" smtClean="0"/>
+              <a:rPr lang="fr-FR" dirty="0"/>
               <a:t>Cliquer sur new pour créer un nouveau </a:t>
             </a:r>
             <a:r>
-              <a:rPr lang="fr-FR" dirty="0" err="1" smtClean="0"/>
+              <a:rPr lang="fr-FR" dirty="0" err="1"/>
               <a:t>ipynb</a:t>
             </a:r>
             <a:endParaRPr lang="fr-FR" dirty="0"/>
@@ -4096,11 +4070,11 @@
           <a:lstStyle/>
           <a:p>
             <a:r>
-              <a:rPr lang="fr-FR" dirty="0" smtClean="0"/>
+              <a:rPr lang="fr-FR" dirty="0"/>
               <a:t>Google </a:t>
             </a:r>
             <a:r>
-              <a:rPr lang="fr-FR" dirty="0" err="1" smtClean="0"/>
+              <a:rPr lang="fr-FR" dirty="0" err="1"/>
               <a:t>Colab</a:t>
             </a:r>
             <a:endParaRPr lang="fr-FR" dirty="0"/>
@@ -4123,17 +4097,19 @@
           <a:lstStyle/>
           <a:p>
             <a:r>
-              <a:rPr lang="fr-FR" dirty="0" smtClean="0"/>
+              <a:rPr lang="fr-FR" dirty="0"/>
               <a:t>Intégration </a:t>
             </a:r>
             <a:r>
-              <a:rPr lang="fr-FR" dirty="0" err="1" smtClean="0"/>
+              <a:rPr lang="fr-FR" dirty="0" err="1"/>
               <a:t>Jupyter</a:t>
             </a:r>
             <a:r>
-              <a:rPr lang="fr-FR" dirty="0" smtClean="0"/>
+              <a:rPr lang="fr-FR" dirty="0"/>
               <a:t> gratuite</a:t>
             </a:r>
+          </a:p>
+          <a:p>
             <a:endParaRPr lang="fr-FR" dirty="0"/>
           </a:p>
           <a:p>
@@ -4152,11 +4128,8 @@
             <a:endParaRPr lang="fr-FR" dirty="0"/>
           </a:p>
           <a:p>
-            <a:endParaRPr lang="fr-FR" dirty="0"/>
-          </a:p>
-          <a:p>
-            <a:r>
-              <a:rPr lang="fr-FR" dirty="0" smtClean="0"/>
+            <a:r>
+              <a:rPr lang="fr-FR" dirty="0"/>
               <a:t>Exécution Shell : préfixer la commande par !</a:t>
             </a:r>
           </a:p>
@@ -4176,7 +4149,7 @@
             </a:r>
           </a:p>
           <a:p>
-            <a:endParaRPr lang="fr-FR" dirty="0" smtClean="0"/>
+            <a:endParaRPr lang="fr-FR" dirty="0"/>
           </a:p>
           <a:p>
             <a:endParaRPr lang="fr-FR" dirty="0"/>
@@ -4239,6 +4212,185 @@
       </p:grpSpPr>
       <p:sp>
         <p:nvSpPr>
+          <p:cNvPr id="2" name="Titre 1">
+            <a:extLst>
+              <a:ext uri="{FF2B5EF4-FFF2-40B4-BE49-F238E27FC236}">
+                <a16:creationId xmlns:a16="http://schemas.microsoft.com/office/drawing/2014/main" id="{D80F02E5-7072-4538-84F9-808F393E6E2A}"/>
+              </a:ext>
+            </a:extLst>
+          </p:cNvPr>
+          <p:cNvSpPr>
+            <a:spLocks noGrp="1"/>
+          </p:cNvSpPr>
+          <p:nvPr>
+            <p:ph type="title"/>
+          </p:nvPr>
+        </p:nvSpPr>
+        <p:spPr/>
+        <p:txBody>
+          <a:bodyPr/>
+          <a:lstStyle/>
+          <a:p>
+            <a:r>
+              <a:rPr lang="fr-FR" dirty="0"/>
+              <a:t>Magic Command</a:t>
+            </a:r>
+          </a:p>
+        </p:txBody>
+      </p:sp>
+      <p:sp>
+        <p:nvSpPr>
+          <p:cNvPr id="3" name="Espace réservé du contenu 2">
+            <a:extLst>
+              <a:ext uri="{FF2B5EF4-FFF2-40B4-BE49-F238E27FC236}">
+                <a16:creationId xmlns:a16="http://schemas.microsoft.com/office/drawing/2014/main" id="{9B774A3D-A303-463A-BC14-36187B5758F4}"/>
+              </a:ext>
+            </a:extLst>
+          </p:cNvPr>
+          <p:cNvSpPr>
+            <a:spLocks noGrp="1"/>
+          </p:cNvSpPr>
+          <p:nvPr>
+            <p:ph idx="1"/>
+          </p:nvPr>
+        </p:nvSpPr>
+        <p:spPr/>
+        <p:txBody>
+          <a:bodyPr/>
+          <a:lstStyle/>
+          <a:p>
+            <a:r>
+              <a:rPr lang="fr-FR" dirty="0"/>
+              <a:t>%</a:t>
+            </a:r>
+          </a:p>
+          <a:p>
+            <a:r>
+              <a:rPr lang="fr-FR" dirty="0"/>
+              <a:t>Préfixer la commande par % au lieu de !</a:t>
+            </a:r>
+          </a:p>
+          <a:p>
+            <a:pPr lvl="1"/>
+            <a:r>
+              <a:rPr lang="fr-FR" dirty="0"/>
+              <a:t>% est dans le processus </a:t>
+            </a:r>
+            <a:r>
+              <a:rPr lang="fr-FR" dirty="0" err="1"/>
+              <a:t>IPython</a:t>
+            </a:r>
+            <a:endParaRPr lang="fr-FR" dirty="0"/>
+          </a:p>
+          <a:p>
+            <a:pPr lvl="1"/>
+            <a:r>
+              <a:rPr lang="fr-FR" dirty="0"/>
+              <a:t>!cd exécute le cd mais ne change par le répertoire du </a:t>
+            </a:r>
+            <a:r>
+              <a:rPr lang="fr-FR" dirty="0" err="1"/>
+              <a:t>shell</a:t>
+            </a:r>
+            <a:r>
+              <a:rPr lang="fr-FR" dirty="0"/>
+              <a:t> contrairement à %cd</a:t>
+            </a:r>
+          </a:p>
+          <a:p>
+            <a:pPr lvl="1"/>
+            <a:r>
+              <a:rPr lang="fr-FR" dirty="0"/>
+              <a:t>! utilise un nouveau process, en cas de plantage il ne plante par </a:t>
+            </a:r>
+            <a:r>
+              <a:rPr lang="fr-FR" dirty="0" err="1"/>
+              <a:t>IPython</a:t>
+            </a:r>
+            <a:endParaRPr lang="fr-FR" dirty="0"/>
+          </a:p>
+          <a:p>
+            <a:pPr lvl="1"/>
+            <a:r>
+              <a:rPr lang="fr-FR" dirty="0"/>
+              <a:t>Toutes les commandes </a:t>
+            </a:r>
+            <a:r>
+              <a:rPr lang="fr-FR" dirty="0" err="1"/>
+              <a:t>shell</a:t>
+            </a:r>
+            <a:r>
+              <a:rPr lang="fr-FR" dirty="0"/>
+              <a:t> ! ne peuvent se transformer en </a:t>
+            </a:r>
+            <a:r>
+              <a:rPr lang="fr-FR" dirty="0" err="1"/>
+              <a:t>magic</a:t>
+            </a:r>
+            <a:r>
+              <a:rPr lang="fr-FR" dirty="0"/>
+              <a:t> command</a:t>
+            </a:r>
+          </a:p>
+          <a:p>
+            <a:r>
+              <a:rPr lang="fr-FR" dirty="0"/>
+              <a:t>Sert également à retrouver la sortie graphique</a:t>
+            </a:r>
+          </a:p>
+          <a:p>
+            <a:pPr lvl="1"/>
+            <a:r>
+              <a:rPr lang="fr-FR" dirty="0"/>
+              <a:t>Si la commande retourne du GUI il sera récupérer par </a:t>
+            </a:r>
+            <a:r>
+              <a:rPr lang="fr-FR" dirty="0" err="1"/>
+              <a:t>IPython</a:t>
+            </a:r>
+            <a:endParaRPr lang="fr-FR" dirty="0"/>
+          </a:p>
+          <a:p>
+            <a:pPr lvl="1"/>
+            <a:endParaRPr lang="fr-FR" dirty="0"/>
+          </a:p>
+          <a:p>
+            <a:endParaRPr lang="fr-FR" dirty="0"/>
+          </a:p>
+        </p:txBody>
+      </p:sp>
+    </p:spTree>
+    <p:extLst>
+      <p:ext uri="{BB962C8B-B14F-4D97-AF65-F5344CB8AC3E}">
+        <p14:creationId xmlns:p14="http://schemas.microsoft.com/office/powerpoint/2010/main" val="2718598500"/>
+      </p:ext>
+    </p:extLst>
+  </p:cSld>
+  <p:clrMapOvr>
+    <a:masterClrMapping/>
+  </p:clrMapOvr>
+</p:sld>
+</file>
+
+<file path=ppt/slides/slide6.xml><?xml version="1.0" encoding="utf-8"?>
+<p:sld xmlns:a="http://schemas.openxmlformats.org/drawingml/2006/main" xmlns:r="http://schemas.openxmlformats.org/officeDocument/2006/relationships" xmlns:p="http://schemas.openxmlformats.org/presentationml/2006/main">
+  <p:cSld>
+    <p:spTree>
+      <p:nvGrpSpPr>
+        <p:cNvPr id="1" name=""/>
+        <p:cNvGrpSpPr/>
+        <p:nvPr/>
+      </p:nvGrpSpPr>
+      <p:grpSpPr>
+        <a:xfrm>
+          <a:off x="0" y="0"/>
+          <a:ext cx="0" cy="0"/>
+          <a:chOff x="0" y="0"/>
+          <a:chExt cx="0" cy="0"/>
+        </a:xfrm>
+      </p:grpSpPr>
+      <p:sp>
+        <p:nvSpPr>
           <p:cNvPr id="2" name="Titre 1"/>
           <p:cNvSpPr>
             <a:spLocks noGrp="1"/>
@@ -4253,11 +4405,11 @@
           <a:lstStyle/>
           <a:p>
             <a:r>
-              <a:rPr lang="fr-FR" dirty="0" smtClean="0"/>
+              <a:rPr lang="fr-FR" dirty="0"/>
               <a:t>Intégration </a:t>
             </a:r>
             <a:r>
-              <a:rPr lang="fr-FR" dirty="0" err="1" smtClean="0"/>
+              <a:rPr lang="fr-FR" dirty="0" err="1"/>
               <a:t>matplotlib</a:t>
             </a:r>
             <a:endParaRPr lang="fr-FR" dirty="0"/>
@@ -4337,7 +4489,7 @@
 </p:sld>
 </file>
 
-<file path=ppt/slides/slide6.xml><?xml version="1.0" encoding="utf-8"?>
+<file path=ppt/slides/slide7.xml><?xml version="1.0" encoding="utf-8"?>
 <p:sld xmlns:a="http://schemas.openxmlformats.org/drawingml/2006/main" xmlns:r="http://schemas.openxmlformats.org/officeDocument/2006/relationships" xmlns:p="http://schemas.openxmlformats.org/presentationml/2006/main">
   <p:cSld>
     <p:spTree>
@@ -4370,10 +4522,9 @@
           <a:lstStyle/>
           <a:p>
             <a:r>
-              <a:rPr lang="fr-FR" dirty="0" smtClean="0"/>
+              <a:rPr lang="fr-FR" dirty="0"/>
               <a:t>Repl.it</a:t>
             </a:r>
-            <a:endParaRPr lang="fr-FR" dirty="0"/>
           </a:p>
         </p:txBody>
       </p:sp>
@@ -4393,16 +4544,15 @@
           <a:lstStyle/>
           <a:p>
             <a:r>
-              <a:rPr lang="fr-FR" dirty="0" smtClean="0"/>
+              <a:rPr lang="fr-FR" dirty="0"/>
               <a:t>IDE Python online</a:t>
             </a:r>
           </a:p>
           <a:p>
             <a:r>
-              <a:rPr lang="fr-FR" dirty="0" smtClean="0"/>
+              <a:rPr lang="fr-FR" dirty="0"/>
               <a:t>Compatible Git</a:t>
             </a:r>
-            <a:endParaRPr lang="fr-FR" dirty="0"/>
           </a:p>
         </p:txBody>
       </p:sp>
